--- a/BWL/Praktikum 4/Meeting zur Ist-Zustandsanalyse Bank4You.pptx
+++ b/BWL/Praktikum 4/Meeting zur Ist-Zustandsanalyse Bank4You.pptx
@@ -892,7 +892,7 @@
     </p:spTree>
     <p:extLst>
       <p:ext uri="{BB962C8B-B14F-4D97-AF65-F5344CB8AC3E}">
-        <p14:creationId xmlns:p14="http://schemas.microsoft.com/office/powerpoint/2010/main" val="3685353452"/>
+        <p14:creationId xmlns:p14="http://schemas.microsoft.com/office/powerpoint/2010/main" xmlns="" val="3685353452"/>
       </p:ext>
     </p:extLst>
   </p:cSld>
@@ -1152,7 +1152,7 @@
     </p:spTree>
     <p:extLst>
       <p:ext uri="{BB962C8B-B14F-4D97-AF65-F5344CB8AC3E}">
-        <p14:creationId xmlns:p14="http://schemas.microsoft.com/office/powerpoint/2010/main" val="2918146507"/>
+        <p14:creationId xmlns:p14="http://schemas.microsoft.com/office/powerpoint/2010/main" xmlns="" val="2918146507"/>
       </p:ext>
     </p:extLst>
   </p:cSld>
@@ -1558,7 +1558,7 @@
     </p:spTree>
     <p:extLst>
       <p:ext uri="{BB962C8B-B14F-4D97-AF65-F5344CB8AC3E}">
-        <p14:creationId xmlns:p14="http://schemas.microsoft.com/office/powerpoint/2010/main" val="3598008834"/>
+        <p14:creationId xmlns:p14="http://schemas.microsoft.com/office/powerpoint/2010/main" xmlns="" val="3598008834"/>
       </p:ext>
     </p:extLst>
   </p:cSld>
@@ -1811,7 +1811,7 @@
     </p:spTree>
     <p:extLst>
       <p:ext uri="{BB962C8B-B14F-4D97-AF65-F5344CB8AC3E}">
-        <p14:creationId xmlns:p14="http://schemas.microsoft.com/office/powerpoint/2010/main" val="3498583113"/>
+        <p14:creationId xmlns:p14="http://schemas.microsoft.com/office/powerpoint/2010/main" xmlns="" val="3498583113"/>
       </p:ext>
     </p:extLst>
   </p:cSld>
@@ -2209,7 +2209,7 @@
     </p:spTree>
     <p:extLst>
       <p:ext uri="{BB962C8B-B14F-4D97-AF65-F5344CB8AC3E}">
-        <p14:creationId xmlns:p14="http://schemas.microsoft.com/office/powerpoint/2010/main" val="3867392954"/>
+        <p14:creationId xmlns:p14="http://schemas.microsoft.com/office/powerpoint/2010/main" xmlns="" val="3867392954"/>
       </p:ext>
     </p:extLst>
   </p:cSld>
@@ -2522,7 +2522,7 @@
     </p:spTree>
     <p:extLst>
       <p:ext uri="{BB962C8B-B14F-4D97-AF65-F5344CB8AC3E}">
-        <p14:creationId xmlns:p14="http://schemas.microsoft.com/office/powerpoint/2010/main" val="3525856369"/>
+        <p14:creationId xmlns:p14="http://schemas.microsoft.com/office/powerpoint/2010/main" xmlns="" val="3525856369"/>
       </p:ext>
     </p:extLst>
   </p:cSld>
@@ -2641,6 +2641,7 @@
           <a:p>
             <a:fld id="{55C6B4A9-1611-4792-9094-5F34BCA07E0B}" type="datetimeFigureOut">
               <a:rPr lang="en-US" smtClean="0"/>
+              <a:pPr/>
               <a:t>12/19/2013</a:t>
             </a:fld>
             <a:endParaRPr lang="en-US" dirty="0"/>
@@ -2683,6 +2684,7 @@
           <a:p>
             <a:fld id="{89333C77-0158-454C-844F-B7AB9BD7DAD4}" type="slidenum">
               <a:rPr lang="en-US" smtClean="0"/>
+              <a:pPr/>
               <a:t>‹Nr.›</a:t>
             </a:fld>
             <a:endParaRPr lang="en-US" dirty="0"/>
@@ -2692,7 +2694,7 @@
     </p:spTree>
     <p:extLst>
       <p:ext uri="{BB962C8B-B14F-4D97-AF65-F5344CB8AC3E}">
-        <p14:creationId xmlns:p14="http://schemas.microsoft.com/office/powerpoint/2010/main" val="630316303"/>
+        <p14:creationId xmlns:p14="http://schemas.microsoft.com/office/powerpoint/2010/main" xmlns="" val="630316303"/>
       </p:ext>
     </p:extLst>
   </p:cSld>
@@ -2874,7 +2876,7 @@
     </p:spTree>
     <p:extLst>
       <p:ext uri="{BB962C8B-B14F-4D97-AF65-F5344CB8AC3E}">
-        <p14:creationId xmlns:p14="http://schemas.microsoft.com/office/powerpoint/2010/main" val="4136211184"/>
+        <p14:creationId xmlns:p14="http://schemas.microsoft.com/office/powerpoint/2010/main" xmlns="" val="4136211184"/>
       </p:ext>
     </p:extLst>
   </p:cSld>
@@ -3052,7 +3054,7 @@
     </p:spTree>
     <p:extLst>
       <p:ext uri="{BB962C8B-B14F-4D97-AF65-F5344CB8AC3E}">
-        <p14:creationId xmlns:p14="http://schemas.microsoft.com/office/powerpoint/2010/main" val="396473090"/>
+        <p14:creationId xmlns:p14="http://schemas.microsoft.com/office/powerpoint/2010/main" xmlns="" val="396473090"/>
       </p:ext>
     </p:extLst>
   </p:cSld>
@@ -3301,7 +3303,7 @@
     </p:spTree>
     <p:extLst>
       <p:ext uri="{BB962C8B-B14F-4D97-AF65-F5344CB8AC3E}">
-        <p14:creationId xmlns:p14="http://schemas.microsoft.com/office/powerpoint/2010/main" val="2913487143"/>
+        <p14:creationId xmlns:p14="http://schemas.microsoft.com/office/powerpoint/2010/main" xmlns="" val="2913487143"/>
       </p:ext>
     </p:extLst>
   </p:cSld>
@@ -3482,6 +3484,7 @@
           <a:p>
             <a:fld id="{EB712588-04B1-427B-82EE-E8DB90309F08}" type="datetimeFigureOut">
               <a:rPr lang="en-US" smtClean="0"/>
+              <a:pPr/>
               <a:t>12/19/2013</a:t>
             </a:fld>
             <a:endParaRPr lang="en-US" dirty="0"/>
@@ -3524,6 +3527,7 @@
           <a:p>
             <a:fld id="{6FF9F0C5-380F-41C2-899A-BAC0F0927E16}" type="slidenum">
               <a:rPr lang="en-US" smtClean="0"/>
+              <a:pPr/>
               <a:t>‹Nr.›</a:t>
             </a:fld>
             <a:endParaRPr lang="en-US" dirty="0"/>
@@ -3533,7 +3537,7 @@
     </p:spTree>
     <p:extLst>
       <p:ext uri="{BB962C8B-B14F-4D97-AF65-F5344CB8AC3E}">
-        <p14:creationId xmlns:p14="http://schemas.microsoft.com/office/powerpoint/2010/main" val="175049080"/>
+        <p14:creationId xmlns:p14="http://schemas.microsoft.com/office/powerpoint/2010/main" xmlns="" val="175049080"/>
       </p:ext>
     </p:extLst>
   </p:cSld>
@@ -3909,7 +3913,7 @@
     </p:spTree>
     <p:extLst>
       <p:ext uri="{BB962C8B-B14F-4D97-AF65-F5344CB8AC3E}">
-        <p14:creationId xmlns:p14="http://schemas.microsoft.com/office/powerpoint/2010/main" val="2308197860"/>
+        <p14:creationId xmlns:p14="http://schemas.microsoft.com/office/powerpoint/2010/main" xmlns="" val="2308197860"/>
       </p:ext>
     </p:extLst>
   </p:cSld>
@@ -4034,7 +4038,7 @@
     </p:spTree>
     <p:extLst>
       <p:ext uri="{BB962C8B-B14F-4D97-AF65-F5344CB8AC3E}">
-        <p14:creationId xmlns:p14="http://schemas.microsoft.com/office/powerpoint/2010/main" val="2161756688"/>
+        <p14:creationId xmlns:p14="http://schemas.microsoft.com/office/powerpoint/2010/main" xmlns="" val="2161756688"/>
       </p:ext>
     </p:extLst>
   </p:cSld>
@@ -4131,7 +4135,7 @@
     </p:spTree>
     <p:extLst>
       <p:ext uri="{BB962C8B-B14F-4D97-AF65-F5344CB8AC3E}">
-        <p14:creationId xmlns:p14="http://schemas.microsoft.com/office/powerpoint/2010/main" val="1646579976"/>
+        <p14:creationId xmlns:p14="http://schemas.microsoft.com/office/powerpoint/2010/main" xmlns="" val="1646579976"/>
       </p:ext>
     </p:extLst>
   </p:cSld>
@@ -4335,6 +4339,7 @@
           <a:p>
             <a:fld id="{42A54C80-263E-416B-A8E0-580EDEADCBDC}" type="datetimeFigureOut">
               <a:rPr lang="en-US" smtClean="0"/>
+              <a:pPr/>
               <a:t>12/19/2013</a:t>
             </a:fld>
             <a:endParaRPr lang="en-US" dirty="0"/>
@@ -4377,6 +4382,7 @@
           <a:p>
             <a:fld id="{519954A3-9DFD-4C44-94BA-B95130A3BA1C}" type="slidenum">
               <a:rPr lang="en-US" smtClean="0"/>
+              <a:pPr/>
               <a:t>‹Nr.›</a:t>
             </a:fld>
             <a:endParaRPr lang="en-US" dirty="0"/>
@@ -4386,7 +4392,7 @@
     </p:spTree>
     <p:extLst>
       <p:ext uri="{BB962C8B-B14F-4D97-AF65-F5344CB8AC3E}">
-        <p14:creationId xmlns:p14="http://schemas.microsoft.com/office/powerpoint/2010/main" val="2351611376"/>
+        <p14:creationId xmlns:p14="http://schemas.microsoft.com/office/powerpoint/2010/main" xmlns="" val="2351611376"/>
       </p:ext>
     </p:extLst>
   </p:cSld>
@@ -4651,7 +4657,7 @@
     </p:spTree>
     <p:extLst>
       <p:ext uri="{BB962C8B-B14F-4D97-AF65-F5344CB8AC3E}">
-        <p14:creationId xmlns:p14="http://schemas.microsoft.com/office/powerpoint/2010/main" val="3021681308"/>
+        <p14:creationId xmlns:p14="http://schemas.microsoft.com/office/powerpoint/2010/main" xmlns="" val="3021681308"/>
       </p:ext>
     </p:extLst>
   </p:cSld>
@@ -5430,7 +5436,7 @@
     </p:spTree>
     <p:extLst>
       <p:ext uri="{BB962C8B-B14F-4D97-AF65-F5344CB8AC3E}">
-        <p14:creationId xmlns:p14="http://schemas.microsoft.com/office/powerpoint/2010/main" val="250058516"/>
+        <p14:creationId xmlns:p14="http://schemas.microsoft.com/office/powerpoint/2010/main" xmlns="" val="250058516"/>
       </p:ext>
     </p:extLst>
   </p:cSld>
@@ -5935,7 +5941,7 @@
           <a:blip r:embed="rId2">
             <a:extLst>
               <a:ext uri="{28A0092B-C50C-407E-A947-70E740481C1C}">
-                <a14:useLocalDpi xmlns:a14="http://schemas.microsoft.com/office/drawing/2010/main" val="0"/>
+                <a14:useLocalDpi xmlns:a14="http://schemas.microsoft.com/office/drawing/2010/main" xmlns="" val="0"/>
               </a:ext>
             </a:extLst>
           </a:blip>
@@ -5956,7 +5962,7 @@
     </p:spTree>
     <p:extLst>
       <p:ext uri="{BB962C8B-B14F-4D97-AF65-F5344CB8AC3E}">
-        <p14:creationId xmlns:p14="http://schemas.microsoft.com/office/powerpoint/2010/main" val="2665283640"/>
+        <p14:creationId xmlns:p14="http://schemas.microsoft.com/office/powerpoint/2010/main" xmlns="" val="2665283640"/>
       </p:ext>
     </p:extLst>
   </p:cSld>
@@ -6054,7 +6060,7 @@
     </p:spTree>
     <p:extLst>
       <p:ext uri="{BB962C8B-B14F-4D97-AF65-F5344CB8AC3E}">
-        <p14:creationId xmlns:p14="http://schemas.microsoft.com/office/powerpoint/2010/main" val="993269963"/>
+        <p14:creationId xmlns:p14="http://schemas.microsoft.com/office/powerpoint/2010/main" xmlns="" val="993269963"/>
       </p:ext>
     </p:extLst>
   </p:cSld>
@@ -6191,7 +6197,7 @@
     </p:spTree>
     <p:extLst>
       <p:ext uri="{BB962C8B-B14F-4D97-AF65-F5344CB8AC3E}">
-        <p14:creationId xmlns:p14="http://schemas.microsoft.com/office/powerpoint/2010/main" val="265320037"/>
+        <p14:creationId xmlns:p14="http://schemas.microsoft.com/office/powerpoint/2010/main" xmlns="" val="265320037"/>
       </p:ext>
     </p:extLst>
   </p:cSld>
@@ -6353,7 +6359,7 @@
     </p:spTree>
     <p:extLst>
       <p:ext uri="{BB962C8B-B14F-4D97-AF65-F5344CB8AC3E}">
-        <p14:creationId xmlns:p14="http://schemas.microsoft.com/office/powerpoint/2010/main" val="128023227"/>
+        <p14:creationId xmlns:p14="http://schemas.microsoft.com/office/powerpoint/2010/main" xmlns="" val="128023227"/>
       </p:ext>
     </p:extLst>
   </p:cSld>
@@ -6490,7 +6496,7 @@
     </p:spTree>
     <p:extLst>
       <p:ext uri="{BB962C8B-B14F-4D97-AF65-F5344CB8AC3E}">
-        <p14:creationId xmlns:p14="http://schemas.microsoft.com/office/powerpoint/2010/main" val="865238889"/>
+        <p14:creationId xmlns:p14="http://schemas.microsoft.com/office/powerpoint/2010/main" xmlns="" val="865238889"/>
       </p:ext>
     </p:extLst>
   </p:cSld>
@@ -6610,7 +6616,7 @@
     </p:spTree>
     <p:extLst>
       <p:ext uri="{BB962C8B-B14F-4D97-AF65-F5344CB8AC3E}">
-        <p14:creationId xmlns:p14="http://schemas.microsoft.com/office/powerpoint/2010/main" val="847740041"/>
+        <p14:creationId xmlns:p14="http://schemas.microsoft.com/office/powerpoint/2010/main" xmlns="" val="847740041"/>
       </p:ext>
     </p:extLst>
   </p:cSld>
@@ -6753,7 +6759,7 @@
     </p:spTree>
     <p:extLst>
       <p:ext uri="{BB962C8B-B14F-4D97-AF65-F5344CB8AC3E}">
-        <p14:creationId xmlns:p14="http://schemas.microsoft.com/office/powerpoint/2010/main" val="3385461599"/>
+        <p14:creationId xmlns:p14="http://schemas.microsoft.com/office/powerpoint/2010/main" xmlns="" val="3385461599"/>
       </p:ext>
     </p:extLst>
   </p:cSld>
@@ -6825,7 +6831,7 @@
             <p:ph idx="1"/>
             <p:extLst>
               <p:ext uri="{D42A27DB-BD31-4B8C-83A1-F6EECF244321}">
-                <p14:modId xmlns:p14="http://schemas.microsoft.com/office/powerpoint/2010/main" val="2013796188"/>
+                <p14:modId xmlns:p14="http://schemas.microsoft.com/office/powerpoint/2010/main" xmlns="" val="2013796188"/>
               </p:ext>
             </p:extLst>
           </p:nvPr>
@@ -7099,7 +7105,7 @@
     </p:spTree>
     <p:extLst>
       <p:ext uri="{BB962C8B-B14F-4D97-AF65-F5344CB8AC3E}">
-        <p14:creationId xmlns:p14="http://schemas.microsoft.com/office/powerpoint/2010/main" val="740774264"/>
+        <p14:creationId xmlns:p14="http://schemas.microsoft.com/office/powerpoint/2010/main" xmlns="" val="740774264"/>
       </p:ext>
     </p:extLst>
   </p:cSld>
@@ -7171,7 +7177,7 @@
             <p:ph idx="1"/>
             <p:extLst>
               <p:ext uri="{D42A27DB-BD31-4B8C-83A1-F6EECF244321}">
-                <p14:modId xmlns:p14="http://schemas.microsoft.com/office/powerpoint/2010/main" val="2710759957"/>
+                <p14:modId xmlns:p14="http://schemas.microsoft.com/office/powerpoint/2010/main" xmlns="" val="2710759957"/>
               </p:ext>
             </p:extLst>
           </p:nvPr>
@@ -7483,7 +7489,7 @@
     </p:spTree>
     <p:extLst>
       <p:ext uri="{BB962C8B-B14F-4D97-AF65-F5344CB8AC3E}">
-        <p14:creationId xmlns:p14="http://schemas.microsoft.com/office/powerpoint/2010/main" val="589282958"/>
+        <p14:creationId xmlns:p14="http://schemas.microsoft.com/office/powerpoint/2010/main" xmlns="" val="589282958"/>
       </p:ext>
     </p:extLst>
   </p:cSld>
@@ -7667,8 +7673,12 @@
           </a:p>
           <a:p>
             <a:r>
+              <a:rPr lang="de-DE" smtClean="0"/>
+              <a:t>ERP </a:t>
+            </a:r>
+            <a:r>
               <a:rPr lang="de-DE" dirty="0" smtClean="0"/>
-              <a:t>ERM Einführen</a:t>
+              <a:t>Einführen</a:t>
             </a:r>
           </a:p>
           <a:p>
@@ -7679,7 +7689,7 @@
     </p:spTree>
     <p:extLst>
       <p:ext uri="{BB962C8B-B14F-4D97-AF65-F5344CB8AC3E}">
-        <p14:creationId xmlns:p14="http://schemas.microsoft.com/office/powerpoint/2010/main" val="972956306"/>
+        <p14:creationId xmlns:p14="http://schemas.microsoft.com/office/powerpoint/2010/main" xmlns="" val="972956306"/>
       </p:ext>
     </p:extLst>
   </p:cSld>
@@ -7775,8 +7785,13 @@
           <a:p>
             <a:r>
               <a:rPr lang="de-DE" dirty="0" smtClean="0"/>
-              <a:t>Höherer Zusammenhang (ERM)</a:t>
-            </a:r>
+              <a:t>Höherer Zusammenhang (</a:t>
+            </a:r>
+            <a:r>
+              <a:rPr lang="de-DE" dirty="0" smtClean="0"/>
+              <a:t>ERP)</a:t>
+            </a:r>
+            <a:endParaRPr lang="de-DE" dirty="0" smtClean="0"/>
           </a:p>
           <a:p>
             <a:r>
@@ -7826,7 +7841,7 @@
     </p:spTree>
     <p:extLst>
       <p:ext uri="{BB962C8B-B14F-4D97-AF65-F5344CB8AC3E}">
-        <p14:creationId xmlns:p14="http://schemas.microsoft.com/office/powerpoint/2010/main" val="4135124635"/>
+        <p14:creationId xmlns:p14="http://schemas.microsoft.com/office/powerpoint/2010/main" xmlns="" val="4135124635"/>
       </p:ext>
     </p:extLst>
   </p:cSld>
@@ -7886,7 +7901,7 @@
     </a:clrScheme>
     <a:fontScheme name="Facette">
       <a:majorFont>
-        <a:latin typeface="Trebuchet MS" panose="020B0603020202020204"/>
+        <a:latin typeface="Trebuchet MS"/>
         <a:ea typeface=""/>
         <a:cs typeface=""/>
         <a:font script="Jpan" typeface="メイリオ"/>
@@ -7921,7 +7936,7 @@
         <a:font script="Geor" typeface="Sylfaen"/>
       </a:majorFont>
       <a:minorFont>
-        <a:latin typeface="Trebuchet MS" panose="020B0603020202020204"/>
+        <a:latin typeface="Trebuchet MS"/>
         <a:ea typeface=""/>
         <a:cs typeface=""/>
         <a:font script="Jpan" typeface="メイリオ"/>
@@ -8094,7 +8109,7 @@
   <a:extraClrSchemeLst/>
   <a:extLst>
     <a:ext uri="{05A4C25C-085E-4340-85A3-A5531E510DB2}">
-      <thm15:themeFamily xmlns:thm15="http://schemas.microsoft.com/office/thememl/2012/main" name="Facet" id="{C0C680CD-088A-49FC-A102-D699147F32B2}" vid="{CFBC31BA-B70F-4F30-BCAA-4F3011E16C4D}"/>
+      <thm15:themeFamily xmlns:thm15="http://schemas.microsoft.com/office/thememl/2012/main" xmlns="" name="Facet" id="{C0C680CD-088A-49FC-A102-D699147F32B2}" vid="{CFBC31BA-B70F-4F30-BCAA-4F3011E16C4D}"/>
     </a:ext>
   </a:extLst>
 </a:theme>
